--- a/Project Overview and Status/Status.pptx
+++ b/Project Overview and Status/Status.pptx
@@ -106,6 +106,11 @@
       </a:defRPr>
     </a:lvl9pPr>
   </p:defaultTextStyle>
+  <p:extLst>
+    <p:ext uri="{EFAFB233-063F-42B5-8137-9DF3F51BA10A}">
+      <p15:sldGuideLst xmlns:p15="http://schemas.microsoft.com/office/powerpoint/2012/main"/>
+    </p:ext>
+  </p:extLst>
 </p:presentation>
 </file>
 
@@ -256,7 +261,7 @@
           <a:p>
             <a:fld id="{1ADD3FEE-29DA-314F-927A-CCA0D9F9DEED}" type="datetimeFigureOut">
               <a:rPr lang="en-US" smtClean="0"/>
-              <a:t>4/9/24</a:t>
+              <a:t>4/14/24</a:t>
             </a:fld>
             <a:endParaRPr lang="en-US"/>
           </a:p>
@@ -454,7 +459,7 @@
           <a:p>
             <a:fld id="{1ADD3FEE-29DA-314F-927A-CCA0D9F9DEED}" type="datetimeFigureOut">
               <a:rPr lang="en-US" smtClean="0"/>
-              <a:t>4/9/24</a:t>
+              <a:t>4/14/24</a:t>
             </a:fld>
             <a:endParaRPr lang="en-US"/>
           </a:p>
@@ -662,7 +667,7 @@
           <a:p>
             <a:fld id="{1ADD3FEE-29DA-314F-927A-CCA0D9F9DEED}" type="datetimeFigureOut">
               <a:rPr lang="en-US" smtClean="0"/>
-              <a:t>4/9/24</a:t>
+              <a:t>4/14/24</a:t>
             </a:fld>
             <a:endParaRPr lang="en-US"/>
           </a:p>
@@ -860,7 +865,7 @@
           <a:p>
             <a:fld id="{1ADD3FEE-29DA-314F-927A-CCA0D9F9DEED}" type="datetimeFigureOut">
               <a:rPr lang="en-US" smtClean="0"/>
-              <a:t>4/9/24</a:t>
+              <a:t>4/14/24</a:t>
             </a:fld>
             <a:endParaRPr lang="en-US"/>
           </a:p>
@@ -1135,7 +1140,7 @@
           <a:p>
             <a:fld id="{1ADD3FEE-29DA-314F-927A-CCA0D9F9DEED}" type="datetimeFigureOut">
               <a:rPr lang="en-US" smtClean="0"/>
-              <a:t>4/9/24</a:t>
+              <a:t>4/14/24</a:t>
             </a:fld>
             <a:endParaRPr lang="en-US"/>
           </a:p>
@@ -1400,7 +1405,7 @@
           <a:p>
             <a:fld id="{1ADD3FEE-29DA-314F-927A-CCA0D9F9DEED}" type="datetimeFigureOut">
               <a:rPr lang="en-US" smtClean="0"/>
-              <a:t>4/9/24</a:t>
+              <a:t>4/14/24</a:t>
             </a:fld>
             <a:endParaRPr lang="en-US"/>
           </a:p>
@@ -1812,7 +1817,7 @@
           <a:p>
             <a:fld id="{1ADD3FEE-29DA-314F-927A-CCA0D9F9DEED}" type="datetimeFigureOut">
               <a:rPr lang="en-US" smtClean="0"/>
-              <a:t>4/9/24</a:t>
+              <a:t>4/14/24</a:t>
             </a:fld>
             <a:endParaRPr lang="en-US"/>
           </a:p>
@@ -1953,7 +1958,7 @@
           <a:p>
             <a:fld id="{1ADD3FEE-29DA-314F-927A-CCA0D9F9DEED}" type="datetimeFigureOut">
               <a:rPr lang="en-US" smtClean="0"/>
-              <a:t>4/9/24</a:t>
+              <a:t>4/14/24</a:t>
             </a:fld>
             <a:endParaRPr lang="en-US"/>
           </a:p>
@@ -2066,7 +2071,7 @@
           <a:p>
             <a:fld id="{1ADD3FEE-29DA-314F-927A-CCA0D9F9DEED}" type="datetimeFigureOut">
               <a:rPr lang="en-US" smtClean="0"/>
-              <a:t>4/9/24</a:t>
+              <a:t>4/14/24</a:t>
             </a:fld>
             <a:endParaRPr lang="en-US"/>
           </a:p>
@@ -2377,7 +2382,7 @@
           <a:p>
             <a:fld id="{1ADD3FEE-29DA-314F-927A-CCA0D9F9DEED}" type="datetimeFigureOut">
               <a:rPr lang="en-US" smtClean="0"/>
-              <a:t>4/9/24</a:t>
+              <a:t>4/14/24</a:t>
             </a:fld>
             <a:endParaRPr lang="en-US"/>
           </a:p>
@@ -2665,7 +2670,7 @@
           <a:p>
             <a:fld id="{1ADD3FEE-29DA-314F-927A-CCA0D9F9DEED}" type="datetimeFigureOut">
               <a:rPr lang="en-US" smtClean="0"/>
-              <a:t>4/9/24</a:t>
+              <a:t>4/14/24</a:t>
             </a:fld>
             <a:endParaRPr lang="en-US"/>
           </a:p>
@@ -2906,7 +2911,7 @@
           <a:p>
             <a:fld id="{1ADD3FEE-29DA-314F-927A-CCA0D9F9DEED}" type="datetimeFigureOut">
               <a:rPr lang="en-US" smtClean="0"/>
-              <a:t>4/9/24</a:t>
+              <a:t>4/14/24</a:t>
             </a:fld>
             <a:endParaRPr lang="en-US"/>
           </a:p>
@@ -4092,7 +4097,7 @@
           <a:p>
             <a:r>
               <a:rPr lang="en-US" dirty="0"/>
-              <a:t>Project Status – April 8 </a:t>
+              <a:t>Project Status – April 15 </a:t>
             </a:r>
             <a:br>
               <a:rPr lang="en-US" dirty="0"/>
@@ -4122,6 +4127,11 @@
           </p:cNvGraphicFramePr>
           <p:nvPr>
             <p:ph sz="half" idx="2"/>
+            <p:extLst>
+              <p:ext uri="{D42A27DB-BD31-4B8C-83A1-F6EECF244321}">
+                <p14:modId xmlns:p14="http://schemas.microsoft.com/office/powerpoint/2010/main" val="2051940215"/>
+              </p:ext>
+            </p:extLst>
           </p:nvPr>
         </p:nvGraphicFramePr>
         <p:xfrm>
@@ -4174,7 +4184,44 @@
                     <a:bodyPr/>
                     <a:lstStyle/>
                     <a:p>
-                      <a:endParaRPr lang="en-US" dirty="0"/>
+                      <a:pPr marL="0" marR="0" lvl="0" indent="0" algn="l" defTabSz="914400" rtl="0" eaLnBrk="1" fontAlgn="auto" latinLnBrk="0" hangingPunct="1">
+                        <a:lnSpc>
+                          <a:spcPct val="100000"/>
+                        </a:lnSpc>
+                        <a:spcBef>
+                          <a:spcPts val="0"/>
+                        </a:spcBef>
+                        <a:spcAft>
+                          <a:spcPts val="0"/>
+                        </a:spcAft>
+                        <a:buClrTx/>
+                        <a:buSzTx/>
+                        <a:buFontTx/>
+                        <a:buNone/>
+                        <a:tabLst/>
+                        <a:defRPr/>
+                      </a:pPr>
+                      <a:r>
+                        <a:rPr lang="en-US" sz="1400" dirty="0">
+                          <a:solidFill>
+                            <a:srgbClr val="FF0000"/>
+                          </a:solidFill>
+                        </a:rPr>
+                        <a:t>Understand how to handle missing rep in LICOR data at </a:t>
+                      </a:r>
+                      <a:r>
+                        <a:rPr lang="en-US" sz="1400" dirty="0" err="1">
+                          <a:solidFill>
+                            <a:srgbClr val="FF0000"/>
+                          </a:solidFill>
+                        </a:rPr>
+                        <a:t>Leyendecker</a:t>
+                      </a:r>
+                      <a:endParaRPr lang="en-US" sz="1400" dirty="0">
+                        <a:solidFill>
+                          <a:srgbClr val="FF0000"/>
+                        </a:solidFill>
+                      </a:endParaRPr>
                     </a:p>
                   </a:txBody>
                   <a:tcPr/>
@@ -4201,11 +4248,17 @@
           <p:cNvGraphicFramePr>
             <a:graphicFrameLocks/>
           </p:cNvGraphicFramePr>
-          <p:nvPr/>
+          <p:nvPr>
+            <p:extLst>
+              <p:ext uri="{D42A27DB-BD31-4B8C-83A1-F6EECF244321}">
+                <p14:modId xmlns:p14="http://schemas.microsoft.com/office/powerpoint/2010/main" val="2934491468"/>
+              </p:ext>
+            </p:extLst>
+          </p:nvPr>
         </p:nvGraphicFramePr>
         <p:xfrm>
           <a:off x="3730625" y="1642534"/>
-          <a:ext cx="2607733" cy="2793971"/>
+          <a:ext cx="2607733" cy="837619"/>
         </p:xfrm>
         <a:graphic>
           <a:graphicData uri="http://schemas.openxmlformats.org/drawingml/2006/table">
@@ -4247,66 +4300,6 @@
                   </a:ext>
                 </a:extLst>
               </a:tr>
-              <a:tr h="342860">
-                <a:tc>
-                  <a:txBody>
-                    <a:bodyPr/>
-                    <a:lstStyle/>
-                    <a:p>
-                      <a:r>
-                        <a:rPr lang="en-US" dirty="0"/>
-                        <a:t>Read in harvest data</a:t>
-                      </a:r>
-                    </a:p>
-                  </a:txBody>
-                  <a:tcPr/>
-                </a:tc>
-                <a:extLst>
-                  <a:ext uri="{0D108BD9-81ED-4DB2-BD59-A6C34878D82A}">
-                    <a16:rowId xmlns:a16="http://schemas.microsoft.com/office/drawing/2014/main" val="188648871"/>
-                  </a:ext>
-                </a:extLst>
-              </a:tr>
-              <a:tr h="794814">
-                <a:tc>
-                  <a:txBody>
-                    <a:bodyPr/>
-                    <a:lstStyle/>
-                    <a:p>
-                      <a:r>
-                        <a:rPr lang="en-US" dirty="0"/>
-                        <a:t>Add addition columns to LICOR and perform feature analysis</a:t>
-                      </a:r>
-                    </a:p>
-                  </a:txBody>
-                  <a:tcPr/>
-                </a:tc>
-                <a:extLst>
-                  <a:ext uri="{0D108BD9-81ED-4DB2-BD59-A6C34878D82A}">
-                    <a16:rowId xmlns:a16="http://schemas.microsoft.com/office/drawing/2014/main" val="259421031"/>
-                  </a:ext>
-                </a:extLst>
-              </a:tr>
-              <a:tr h="676192">
-                <a:tc>
-                  <a:txBody>
-                    <a:bodyPr/>
-                    <a:lstStyle/>
-                    <a:p>
-                      <a:r>
-                        <a:rPr lang="en-US" dirty="0"/>
-                        <a:t>Combine LICOR with SHU and Visualize data</a:t>
-                      </a:r>
-                    </a:p>
-                  </a:txBody>
-                  <a:tcPr/>
-                </a:tc>
-                <a:extLst>
-                  <a:ext uri="{0D108BD9-81ED-4DB2-BD59-A6C34878D82A}">
-                    <a16:rowId xmlns:a16="http://schemas.microsoft.com/office/drawing/2014/main" val="4147229598"/>
-                  </a:ext>
-                </a:extLst>
-              </a:tr>
             </a:tbl>
           </a:graphicData>
         </a:graphic>
@@ -4323,11 +4316,17 @@
           <p:cNvGraphicFramePr>
             <a:graphicFrameLocks/>
           </p:cNvGraphicFramePr>
-          <p:nvPr/>
+          <p:nvPr>
+            <p:extLst>
+              <p:ext uri="{D42A27DB-BD31-4B8C-83A1-F6EECF244321}">
+                <p14:modId xmlns:p14="http://schemas.microsoft.com/office/powerpoint/2010/main" val="2742925184"/>
+              </p:ext>
+            </p:extLst>
+          </p:nvPr>
         </p:nvGraphicFramePr>
         <p:xfrm>
           <a:off x="9328150" y="1642534"/>
-          <a:ext cx="2607733" cy="4882956"/>
+          <a:ext cx="2607733" cy="3459461"/>
         </p:xfrm>
         <a:graphic>
           <a:graphicData uri="http://schemas.openxmlformats.org/drawingml/2006/table">
@@ -4344,7 +4343,7 @@
                   </a:extLst>
                 </a:gridCol>
               </a:tblGrid>
-              <a:tr h="829733">
+              <a:tr h="842758">
                 <a:tc>
                   <a:txBody>
                     <a:bodyPr/>
@@ -4369,7 +4368,7 @@
                   </a:ext>
                 </a:extLst>
               </a:tr>
-              <a:tr h="667242">
+              <a:tr h="562614">
                 <a:tc>
                   <a:txBody>
                     <a:bodyPr/>
@@ -4393,8 +4392,8 @@
                         <a:defRPr/>
                       </a:pPr>
                       <a:r>
-                        <a:rPr lang="en-US" dirty="0"/>
-                        <a:t>Read in LICOR data from all different formats</a:t>
+                        <a:rPr lang="en-US" sz="1400" dirty="0"/>
+                        <a:t>Read in and clean LICOR data from all different formats </a:t>
                       </a:r>
                     </a:p>
                   </a:txBody>
@@ -4406,13 +4405,16 @@
                   </a:ext>
                 </a:extLst>
               </a:tr>
-              <a:tr h="1134533">
+              <a:tr h="555469">
                 <a:tc>
                   <a:txBody>
                     <a:bodyPr/>
                     <a:lstStyle/>
                     <a:p>
-                      <a:endParaRPr lang="en-US" dirty="0"/>
+                      <a:r>
+                        <a:rPr lang="en-US" sz="1400" dirty="0"/>
+                        <a:t>Read in and clean/wrangle the harvest data</a:t>
+                      </a:r>
                     </a:p>
                   </a:txBody>
                   <a:tcPr/>
@@ -4423,13 +4425,21 @@
                   </a:ext>
                 </a:extLst>
               </a:tr>
-              <a:tr h="1083733">
+              <a:tr h="514011">
                 <a:tc>
                   <a:txBody>
                     <a:bodyPr/>
                     <a:lstStyle/>
                     <a:p>
-                      <a:endParaRPr lang="en-US" dirty="0"/>
+                      <a:r>
+                        <a:rPr lang="en-US" sz="1400" dirty="0"/>
+                        <a:t>Combine </a:t>
+                      </a:r>
+                      <a:r>
+                        <a:rPr lang="en-US" sz="1400"/>
+                        <a:t>data all sources</a:t>
+                      </a:r>
+                      <a:endParaRPr lang="en-US" sz="1400" dirty="0"/>
                     </a:p>
                   </a:txBody>
                   <a:tcPr/>
@@ -4440,7 +4450,7 @@
                   </a:ext>
                 </a:extLst>
               </a:tr>
-              <a:tr h="1167715">
+              <a:tr h="984609">
                 <a:tc>
                   <a:txBody>
                     <a:bodyPr/>
@@ -4473,11 +4483,17 @@
           <p:cNvGraphicFramePr>
             <a:graphicFrameLocks/>
           </p:cNvGraphicFramePr>
-          <p:nvPr/>
+          <p:nvPr>
+            <p:extLst>
+              <p:ext uri="{D42A27DB-BD31-4B8C-83A1-F6EECF244321}">
+                <p14:modId xmlns:p14="http://schemas.microsoft.com/office/powerpoint/2010/main" val="3754779967"/>
+              </p:ext>
+            </p:extLst>
+          </p:nvPr>
         </p:nvGraphicFramePr>
         <p:xfrm>
           <a:off x="6538382" y="1642533"/>
-          <a:ext cx="2607733" cy="3996267"/>
+          <a:ext cx="2607733" cy="4426374"/>
         </p:xfrm>
         <a:graphic>
           <a:graphicData uri="http://schemas.openxmlformats.org/drawingml/2006/table">
@@ -4526,30 +4542,76 @@
                     <a:lstStyle/>
                     <a:p>
                       <a:r>
-                        <a:rPr lang="en-US" b="1" dirty="0"/>
+                        <a:rPr lang="en-US" sz="1400" b="1" dirty="0"/>
                         <a:t>Design interactive app to look at the data</a:t>
                       </a:r>
                     </a:p>
                     <a:p>
                       <a:r>
-                        <a:rPr lang="en-US" dirty="0"/>
-                        <a:t>- Build interactive app interface</a:t>
+                        <a:rPr lang="en-US" sz="1400" dirty="0"/>
+                        <a:t>- Build interactive app interface ✅</a:t>
                       </a:r>
                     </a:p>
                     <a:p>
-                      <a:r>
-                        <a:rPr lang="en-US" dirty="0"/>
-                        <a:t>- Graphs of SHU per genotype</a:t>
+                      <a:pPr marL="285750" marR="0" lvl="0" indent="-285750" algn="l" defTabSz="914400" rtl="0" eaLnBrk="1" fontAlgn="auto" latinLnBrk="0" hangingPunct="1">
+                        <a:lnSpc>
+                          <a:spcPct val="100000"/>
+                        </a:lnSpc>
+                        <a:spcBef>
+                          <a:spcPts val="0"/>
+                        </a:spcBef>
+                        <a:spcAft>
+                          <a:spcPts val="0"/>
+                        </a:spcAft>
+                        <a:buClrTx/>
+                        <a:buSzTx/>
+                        <a:buFontTx/>
+                        <a:buChar char="-"/>
+                        <a:tabLst/>
+                        <a:defRPr/>
+                      </a:pPr>
+                      <a:r>
+                        <a:rPr lang="en-US" sz="1400" dirty="0"/>
+                        <a:t>Add SHU tab ✅</a:t>
                       </a:r>
                     </a:p>
                     <a:p>
-                      <a:r>
-                        <a:rPr lang="en-US" dirty="0"/>
-                        <a:t>- Anomaly/outlier graphs</a:t>
+                      <a:pPr marL="285750" indent="-285750">
+                        <a:buFontTx/>
+                        <a:buChar char="-"/>
+                      </a:pPr>
+                      <a:r>
+                        <a:rPr lang="en-US" sz="1400" dirty="0"/>
+                        <a:t>Add </a:t>
+                      </a:r>
+                      <a:r>
+                        <a:rPr lang="en-US" sz="1400" dirty="0" err="1"/>
+                        <a:t>licor</a:t>
+                      </a:r>
+                      <a:r>
+                        <a:rPr lang="en-US" sz="1400" dirty="0"/>
+                        <a:t> tab</a:t>
                       </a:r>
                     </a:p>
                     <a:p>
-                      <a:endParaRPr lang="en-US" dirty="0"/>
+                      <a:pPr marL="285750" indent="-285750">
+                        <a:buFontTx/>
+                        <a:buChar char="-"/>
+                      </a:pPr>
+                      <a:r>
+                        <a:rPr lang="en-US" sz="1400" dirty="0"/>
+                        <a:t>Add harvest tab</a:t>
+                      </a:r>
+                    </a:p>
+                    <a:p>
+                      <a:pPr marL="285750" indent="-285750">
+                        <a:buFontTx/>
+                        <a:buChar char="-"/>
+                      </a:pPr>
+                      <a:r>
+                        <a:rPr lang="en-US" sz="1400" dirty="0"/>
+                        <a:t>Combination/analysis</a:t>
+                      </a:r>
                     </a:p>
                   </a:txBody>
                   <a:tcPr/>
@@ -4566,34 +4628,52 @@
                     <a:bodyPr/>
                     <a:lstStyle/>
                     <a:p>
-                      <a:pPr marL="0" marR="0" lvl="0" indent="0" algn="l" defTabSz="914400" rtl="0" eaLnBrk="1" fontAlgn="auto" latinLnBrk="0" hangingPunct="1">
-                        <a:lnSpc>
-                          <a:spcPct val="100000"/>
-                        </a:lnSpc>
-                        <a:spcBef>
-                          <a:spcPts val="0"/>
-                        </a:spcBef>
-                        <a:spcAft>
-                          <a:spcPts val="0"/>
-                        </a:spcAft>
-                        <a:buClrTx/>
-                        <a:buSzTx/>
+                      <a:r>
+                        <a:rPr lang="en-US" sz="1400" dirty="0"/>
+                        <a:t>Perform Feature analysis on data, and get initial results</a:t>
+                      </a:r>
+                    </a:p>
+                    <a:p>
+                      <a:pPr marL="285750" indent="-285750">
                         <a:buFontTx/>
-                        <a:buNone/>
-                        <a:tabLst/>
-                        <a:defRPr/>
+                        <a:buChar char="-"/>
                       </a:pPr>
                       <a:r>
-                        <a:rPr lang="en-US" dirty="0"/>
-                        <a:t>Clean LICOR Data</a:t>
-                      </a:r>
+                        <a:rPr lang="en-US" sz="1400" dirty="0"/>
+                        <a:t>Correlation between SHU and </a:t>
+                      </a:r>
+                      <a:r>
+                        <a:rPr lang="en-US" sz="1400" dirty="0" err="1"/>
+                        <a:t>licor</a:t>
+                      </a:r>
+                      <a:r>
+                        <a:rPr lang="en-US" sz="1400" dirty="0"/>
+                        <a:t> features</a:t>
+                      </a:r>
+                    </a:p>
+                    <a:p>
+                      <a:pPr marL="285750" indent="-285750">
+                        <a:buFontTx/>
+                        <a:buChar char="-"/>
+                      </a:pPr>
+                      <a:r>
+                        <a:rPr lang="en-US" sz="1400" dirty="0"/>
+                        <a:t>Look for predictive trends between harvest and stress factors</a:t>
+                      </a:r>
+                    </a:p>
+                    <a:p>
+                      <a:pPr marL="285750" indent="-285750">
+                        <a:buFontTx/>
+                        <a:buChar char="-"/>
+                      </a:pPr>
+                      <a:endParaRPr lang="en-US" sz="1400" dirty="0"/>
                     </a:p>
                   </a:txBody>
                   <a:tcPr/>
                 </a:tc>
                 <a:extLst>
                   <a:ext uri="{0D108BD9-81ED-4DB2-BD59-A6C34878D82A}">
-                    <a16:rowId xmlns:a16="http://schemas.microsoft.com/office/drawing/2014/main" val="2657011593"/>
+                    <a16:rowId xmlns:a16="http://schemas.microsoft.com/office/drawing/2014/main" val="745288266"/>
                   </a:ext>
                 </a:extLst>
               </a:tr>
@@ -4613,11 +4693,17 @@
           <p:cNvGraphicFramePr>
             <a:graphicFrameLocks/>
           </p:cNvGraphicFramePr>
-          <p:nvPr/>
+          <p:nvPr>
+            <p:extLst>
+              <p:ext uri="{D42A27DB-BD31-4B8C-83A1-F6EECF244321}">
+                <p14:modId xmlns:p14="http://schemas.microsoft.com/office/powerpoint/2010/main" val="678497300"/>
+              </p:ext>
+            </p:extLst>
+          </p:nvPr>
         </p:nvGraphicFramePr>
         <p:xfrm>
-          <a:off x="3730625" y="5385143"/>
-          <a:ext cx="2607733" cy="1289071"/>
+          <a:off x="3730625" y="5795448"/>
+          <a:ext cx="2607733" cy="863257"/>
         </p:xfrm>
         <a:graphic>
           <a:graphicData uri="http://schemas.openxmlformats.org/drawingml/2006/table">
@@ -4634,18 +4720,18 @@
                   </a:extLst>
                 </a:gridCol>
               </a:tblGrid>
-              <a:tr h="1289071">
+              <a:tr h="863257">
                 <a:tc>
                   <a:txBody>
                     <a:bodyPr/>
                     <a:lstStyle/>
                     <a:p>
                       <a:r>
-                        <a:rPr lang="en-US" dirty="0"/>
+                        <a:rPr lang="en-US" sz="1400" dirty="0"/>
                         <a:t>Work with </a:t>
                       </a:r>
                       <a:r>
-                        <a:rPr lang="en-US" dirty="0" err="1">
+                        <a:rPr lang="en-US" sz="1400" dirty="0" err="1">
                           <a:solidFill>
                             <a:srgbClr val="7030A0"/>
                           </a:solidFill>
@@ -4653,7 +4739,7 @@
                         <a:t>Ibrar</a:t>
                       </a:r>
                       <a:r>
-                        <a:rPr lang="en-US" dirty="0">
+                        <a:rPr lang="en-US" sz="1400" dirty="0">
                           <a:solidFill>
                             <a:srgbClr val="7030A0"/>
                           </a:solidFill>
@@ -4661,7 +4747,7 @@
                         <a:t> and team </a:t>
                       </a:r>
                       <a:r>
-                        <a:rPr lang="en-US" dirty="0"/>
+                        <a:rPr lang="en-US" sz="1400" dirty="0"/>
                         <a:t>to create standardized LICOR input for R Code</a:t>
                       </a:r>
                     </a:p>
